--- a/Proyecto de Tesis.pptx
+++ b/Proyecto de Tesis.pptx
@@ -4,6 +4,9 @@
   <p:sldMasterIdLst>
     <p:sldMasterId id="2147483648" r:id="rId1"/>
   </p:sldMasterIdLst>
+  <p:notesMasterIdLst>
+    <p:notesMasterId r:id="rId4"/>
+  </p:notesMasterIdLst>
   <p:sldIdLst>
     <p:sldId id="256" r:id="rId2"/>
     <p:sldId id="259" r:id="rId3"/>
@@ -106,6 +109,440 @@
     </a:lvl9pPr>
   </p:defaultTextStyle>
 </p:presentation>
+</file>
+
+<file path=ppt/notesMasters/notesMaster1.xml><?xml version="1.0" encoding="utf-8"?>
+<p:notesMaster xmlns:a="http://schemas.openxmlformats.org/drawingml/2006/main" xmlns:r="http://schemas.openxmlformats.org/officeDocument/2006/relationships" xmlns:p="http://schemas.openxmlformats.org/presentationml/2006/main">
+  <p:cSld>
+    <p:bg>
+      <p:bgRef idx="1001">
+        <a:schemeClr val="bg1"/>
+      </p:bgRef>
+    </p:bg>
+    <p:spTree>
+      <p:nvGrpSpPr>
+        <p:cNvPr id="1" name=""/>
+        <p:cNvGrpSpPr/>
+        <p:nvPr/>
+      </p:nvGrpSpPr>
+      <p:grpSpPr>
+        <a:xfrm>
+          <a:off x="0" y="0"/>
+          <a:ext cx="0" cy="0"/>
+          <a:chOff x="0" y="0"/>
+          <a:chExt cx="0" cy="0"/>
+        </a:xfrm>
+      </p:grpSpPr>
+      <p:sp>
+        <p:nvSpPr>
+          <p:cNvPr id="2" name="Marcador de encabezado 1"/>
+          <p:cNvSpPr>
+            <a:spLocks noGrp="1"/>
+          </p:cNvSpPr>
+          <p:nvPr>
+            <p:ph type="hdr" sz="quarter"/>
+          </p:nvPr>
+        </p:nvSpPr>
+        <p:spPr>
+          <a:xfrm>
+            <a:off x="0" y="0"/>
+            <a:ext cx="2971800" cy="458788"/>
+          </a:xfrm>
+          <a:prstGeom prst="rect">
+            <a:avLst/>
+          </a:prstGeom>
+        </p:spPr>
+        <p:txBody>
+          <a:bodyPr vert="horz" lIns="91440" tIns="45720" rIns="91440" bIns="45720" rtlCol="0"/>
+          <a:lstStyle>
+            <a:lvl1pPr algn="l">
+              <a:defRPr sz="1200"/>
+            </a:lvl1pPr>
+          </a:lstStyle>
+          <a:p>
+            <a:endParaRPr lang="es-PE"/>
+          </a:p>
+        </p:txBody>
+      </p:sp>
+      <p:sp>
+        <p:nvSpPr>
+          <p:cNvPr id="3" name="Marcador de fecha 2"/>
+          <p:cNvSpPr>
+            <a:spLocks noGrp="1"/>
+          </p:cNvSpPr>
+          <p:nvPr>
+            <p:ph type="dt" idx="1"/>
+          </p:nvPr>
+        </p:nvSpPr>
+        <p:spPr>
+          <a:xfrm>
+            <a:off x="3884613" y="0"/>
+            <a:ext cx="2971800" cy="458788"/>
+          </a:xfrm>
+          <a:prstGeom prst="rect">
+            <a:avLst/>
+          </a:prstGeom>
+        </p:spPr>
+        <p:txBody>
+          <a:bodyPr vert="horz" lIns="91440" tIns="45720" rIns="91440" bIns="45720" rtlCol="0"/>
+          <a:lstStyle>
+            <a:lvl1pPr algn="r">
+              <a:defRPr sz="1200"/>
+            </a:lvl1pPr>
+          </a:lstStyle>
+          <a:p>
+            <a:fld id="{44FE8F1A-9D65-4AC5-8DD7-7A72B3012F0A}" type="datetimeFigureOut">
+              <a:rPr lang="es-PE" smtClean="0"/>
+              <a:t>28/04/2025</a:t>
+            </a:fld>
+            <a:endParaRPr lang="es-PE"/>
+          </a:p>
+        </p:txBody>
+      </p:sp>
+      <p:sp>
+        <p:nvSpPr>
+          <p:cNvPr id="4" name="Marcador de imagen de diapositiva 3"/>
+          <p:cNvSpPr>
+            <a:spLocks noGrp="1" noRot="1" noChangeAspect="1"/>
+          </p:cNvSpPr>
+          <p:nvPr>
+            <p:ph type="sldImg" idx="2"/>
+          </p:nvPr>
+        </p:nvSpPr>
+        <p:spPr>
+          <a:xfrm>
+            <a:off x="685800" y="1143000"/>
+            <a:ext cx="5486400" cy="3086100"/>
+          </a:xfrm>
+          <a:prstGeom prst="rect">
+            <a:avLst/>
+          </a:prstGeom>
+          <a:noFill/>
+          <a:ln w="12700">
+            <a:solidFill>
+              <a:prstClr val="black"/>
+            </a:solidFill>
+          </a:ln>
+        </p:spPr>
+        <p:txBody>
+          <a:bodyPr vert="horz" lIns="91440" tIns="45720" rIns="91440" bIns="45720" rtlCol="0" anchor="ctr"/>
+          <a:lstStyle/>
+          <a:p>
+            <a:endParaRPr lang="es-PE"/>
+          </a:p>
+        </p:txBody>
+      </p:sp>
+      <p:sp>
+        <p:nvSpPr>
+          <p:cNvPr id="5" name="Marcador de notas 4"/>
+          <p:cNvSpPr>
+            <a:spLocks noGrp="1"/>
+          </p:cNvSpPr>
+          <p:nvPr>
+            <p:ph type="body" sz="quarter" idx="3"/>
+          </p:nvPr>
+        </p:nvSpPr>
+        <p:spPr>
+          <a:xfrm>
+            <a:off x="685800" y="4400550"/>
+            <a:ext cx="5486400" cy="3600450"/>
+          </a:xfrm>
+          <a:prstGeom prst="rect">
+            <a:avLst/>
+          </a:prstGeom>
+        </p:spPr>
+        <p:txBody>
+          <a:bodyPr vert="horz" lIns="91440" tIns="45720" rIns="91440" bIns="45720" rtlCol="0"/>
+          <a:lstStyle/>
+          <a:p>
+            <a:pPr lvl="0"/>
+            <a:r>
+              <a:rPr lang="es-ES"/>
+              <a:t>Haga clic para modificar los estilos de texto del patrón</a:t>
+            </a:r>
+          </a:p>
+          <a:p>
+            <a:pPr lvl="1"/>
+            <a:r>
+              <a:rPr lang="es-ES"/>
+              <a:t>Segundo nivel</a:t>
+            </a:r>
+          </a:p>
+          <a:p>
+            <a:pPr lvl="2"/>
+            <a:r>
+              <a:rPr lang="es-ES"/>
+              <a:t>Tercer nivel</a:t>
+            </a:r>
+          </a:p>
+          <a:p>
+            <a:pPr lvl="3"/>
+            <a:r>
+              <a:rPr lang="es-ES"/>
+              <a:t>Cuarto nivel</a:t>
+            </a:r>
+          </a:p>
+          <a:p>
+            <a:pPr lvl="4"/>
+            <a:r>
+              <a:rPr lang="es-ES"/>
+              <a:t>Quinto nivel</a:t>
+            </a:r>
+            <a:endParaRPr lang="es-PE"/>
+          </a:p>
+        </p:txBody>
+      </p:sp>
+      <p:sp>
+        <p:nvSpPr>
+          <p:cNvPr id="6" name="Marcador de pie de página 5"/>
+          <p:cNvSpPr>
+            <a:spLocks noGrp="1"/>
+          </p:cNvSpPr>
+          <p:nvPr>
+            <p:ph type="ftr" sz="quarter" idx="4"/>
+          </p:nvPr>
+        </p:nvSpPr>
+        <p:spPr>
+          <a:xfrm>
+            <a:off x="0" y="8685213"/>
+            <a:ext cx="2971800" cy="458787"/>
+          </a:xfrm>
+          <a:prstGeom prst="rect">
+            <a:avLst/>
+          </a:prstGeom>
+        </p:spPr>
+        <p:txBody>
+          <a:bodyPr vert="horz" lIns="91440" tIns="45720" rIns="91440" bIns="45720" rtlCol="0" anchor="b"/>
+          <a:lstStyle>
+            <a:lvl1pPr algn="l">
+              <a:defRPr sz="1200"/>
+            </a:lvl1pPr>
+          </a:lstStyle>
+          <a:p>
+            <a:endParaRPr lang="es-PE"/>
+          </a:p>
+        </p:txBody>
+      </p:sp>
+      <p:sp>
+        <p:nvSpPr>
+          <p:cNvPr id="7" name="Marcador de número de diapositiva 6"/>
+          <p:cNvSpPr>
+            <a:spLocks noGrp="1"/>
+          </p:cNvSpPr>
+          <p:nvPr>
+            <p:ph type="sldNum" sz="quarter" idx="5"/>
+          </p:nvPr>
+        </p:nvSpPr>
+        <p:spPr>
+          <a:xfrm>
+            <a:off x="3884613" y="8685213"/>
+            <a:ext cx="2971800" cy="458787"/>
+          </a:xfrm>
+          <a:prstGeom prst="rect">
+            <a:avLst/>
+          </a:prstGeom>
+        </p:spPr>
+        <p:txBody>
+          <a:bodyPr vert="horz" lIns="91440" tIns="45720" rIns="91440" bIns="45720" rtlCol="0" anchor="b"/>
+          <a:lstStyle>
+            <a:lvl1pPr algn="r">
+              <a:defRPr sz="1200"/>
+            </a:lvl1pPr>
+          </a:lstStyle>
+          <a:p>
+            <a:fld id="{17F8B186-6EA7-4F55-819B-CEB016C79D2A}" type="slidenum">
+              <a:rPr lang="es-PE" smtClean="0"/>
+              <a:t>‹Nº›</a:t>
+            </a:fld>
+            <a:endParaRPr lang="es-PE"/>
+          </a:p>
+        </p:txBody>
+      </p:sp>
+    </p:spTree>
+    <p:extLst>
+      <p:ext uri="{BB962C8B-B14F-4D97-AF65-F5344CB8AC3E}">
+        <p14:creationId xmlns:p14="http://schemas.microsoft.com/office/powerpoint/2010/main" val="977877554"/>
+      </p:ext>
+    </p:extLst>
+  </p:cSld>
+  <p:clrMap bg1="lt1" tx1="dk1" bg2="lt2" tx2="dk2" accent1="accent1" accent2="accent2" accent3="accent3" accent4="accent4" accent5="accent5" accent6="accent6" hlink="hlink" folHlink="folHlink"/>
+  <p:notesStyle>
+    <a:lvl1pPr marL="0" algn="l" defTabSz="914400" rtl="0" eaLnBrk="1" latinLnBrk="0" hangingPunct="1">
+      <a:defRPr sz="1200" kern="1200">
+        <a:solidFill>
+          <a:schemeClr val="tx1"/>
+        </a:solidFill>
+        <a:latin typeface="+mn-lt"/>
+        <a:ea typeface="+mn-ea"/>
+        <a:cs typeface="+mn-cs"/>
+      </a:defRPr>
+    </a:lvl1pPr>
+    <a:lvl2pPr marL="457200" algn="l" defTabSz="914400" rtl="0" eaLnBrk="1" latinLnBrk="0" hangingPunct="1">
+      <a:defRPr sz="1200" kern="1200">
+        <a:solidFill>
+          <a:schemeClr val="tx1"/>
+        </a:solidFill>
+        <a:latin typeface="+mn-lt"/>
+        <a:ea typeface="+mn-ea"/>
+        <a:cs typeface="+mn-cs"/>
+      </a:defRPr>
+    </a:lvl2pPr>
+    <a:lvl3pPr marL="914400" algn="l" defTabSz="914400" rtl="0" eaLnBrk="1" latinLnBrk="0" hangingPunct="1">
+      <a:defRPr sz="1200" kern="1200">
+        <a:solidFill>
+          <a:schemeClr val="tx1"/>
+        </a:solidFill>
+        <a:latin typeface="+mn-lt"/>
+        <a:ea typeface="+mn-ea"/>
+        <a:cs typeface="+mn-cs"/>
+      </a:defRPr>
+    </a:lvl3pPr>
+    <a:lvl4pPr marL="1371600" algn="l" defTabSz="914400" rtl="0" eaLnBrk="1" latinLnBrk="0" hangingPunct="1">
+      <a:defRPr sz="1200" kern="1200">
+        <a:solidFill>
+          <a:schemeClr val="tx1"/>
+        </a:solidFill>
+        <a:latin typeface="+mn-lt"/>
+        <a:ea typeface="+mn-ea"/>
+        <a:cs typeface="+mn-cs"/>
+      </a:defRPr>
+    </a:lvl4pPr>
+    <a:lvl5pPr marL="1828800" algn="l" defTabSz="914400" rtl="0" eaLnBrk="1" latinLnBrk="0" hangingPunct="1">
+      <a:defRPr sz="1200" kern="1200">
+        <a:solidFill>
+          <a:schemeClr val="tx1"/>
+        </a:solidFill>
+        <a:latin typeface="+mn-lt"/>
+        <a:ea typeface="+mn-ea"/>
+        <a:cs typeface="+mn-cs"/>
+      </a:defRPr>
+    </a:lvl5pPr>
+    <a:lvl6pPr marL="2286000" algn="l" defTabSz="914400" rtl="0" eaLnBrk="1" latinLnBrk="0" hangingPunct="1">
+      <a:defRPr sz="1200" kern="1200">
+        <a:solidFill>
+          <a:schemeClr val="tx1"/>
+        </a:solidFill>
+        <a:latin typeface="+mn-lt"/>
+        <a:ea typeface="+mn-ea"/>
+        <a:cs typeface="+mn-cs"/>
+      </a:defRPr>
+    </a:lvl6pPr>
+    <a:lvl7pPr marL="2743200" algn="l" defTabSz="914400" rtl="0" eaLnBrk="1" latinLnBrk="0" hangingPunct="1">
+      <a:defRPr sz="1200" kern="1200">
+        <a:solidFill>
+          <a:schemeClr val="tx1"/>
+        </a:solidFill>
+        <a:latin typeface="+mn-lt"/>
+        <a:ea typeface="+mn-ea"/>
+        <a:cs typeface="+mn-cs"/>
+      </a:defRPr>
+    </a:lvl7pPr>
+    <a:lvl8pPr marL="3200400" algn="l" defTabSz="914400" rtl="0" eaLnBrk="1" latinLnBrk="0" hangingPunct="1">
+      <a:defRPr sz="1200" kern="1200">
+        <a:solidFill>
+          <a:schemeClr val="tx1"/>
+        </a:solidFill>
+        <a:latin typeface="+mn-lt"/>
+        <a:ea typeface="+mn-ea"/>
+        <a:cs typeface="+mn-cs"/>
+      </a:defRPr>
+    </a:lvl8pPr>
+    <a:lvl9pPr marL="3657600" algn="l" defTabSz="914400" rtl="0" eaLnBrk="1" latinLnBrk="0" hangingPunct="1">
+      <a:defRPr sz="1200" kern="1200">
+        <a:solidFill>
+          <a:schemeClr val="tx1"/>
+        </a:solidFill>
+        <a:latin typeface="+mn-lt"/>
+        <a:ea typeface="+mn-ea"/>
+        <a:cs typeface="+mn-cs"/>
+      </a:defRPr>
+    </a:lvl9pPr>
+  </p:notesStyle>
+</p:notesMaster>
+</file>
+
+<file path=ppt/notesSlides/notesSlide1.xml><?xml version="1.0" encoding="utf-8"?>
+<p:notes xmlns:a="http://schemas.openxmlformats.org/drawingml/2006/main" xmlns:r="http://schemas.openxmlformats.org/officeDocument/2006/relationships" xmlns:p="http://schemas.openxmlformats.org/presentationml/2006/main">
+  <p:cSld>
+    <p:spTree>
+      <p:nvGrpSpPr>
+        <p:cNvPr id="1" name=""/>
+        <p:cNvGrpSpPr/>
+        <p:nvPr/>
+      </p:nvGrpSpPr>
+      <p:grpSpPr>
+        <a:xfrm>
+          <a:off x="0" y="0"/>
+          <a:ext cx="0" cy="0"/>
+          <a:chOff x="0" y="0"/>
+          <a:chExt cx="0" cy="0"/>
+        </a:xfrm>
+      </p:grpSpPr>
+      <p:sp>
+        <p:nvSpPr>
+          <p:cNvPr id="2" name="Marcador de imagen de diapositiva 1"/>
+          <p:cNvSpPr>
+            <a:spLocks noGrp="1" noRot="1" noChangeAspect="1"/>
+          </p:cNvSpPr>
+          <p:nvPr>
+            <p:ph type="sldImg"/>
+          </p:nvPr>
+        </p:nvSpPr>
+        <p:spPr/>
+      </p:sp>
+      <p:sp>
+        <p:nvSpPr>
+          <p:cNvPr id="3" name="Marcador de notas 2"/>
+          <p:cNvSpPr>
+            <a:spLocks noGrp="1"/>
+          </p:cNvSpPr>
+          <p:nvPr>
+            <p:ph type="body" idx="1"/>
+          </p:nvPr>
+        </p:nvSpPr>
+        <p:spPr/>
+        <p:txBody>
+          <a:bodyPr/>
+          <a:lstStyle/>
+          <a:p>
+            <a:endParaRPr lang="es-PE" dirty="0"/>
+          </a:p>
+        </p:txBody>
+      </p:sp>
+      <p:sp>
+        <p:nvSpPr>
+          <p:cNvPr id="4" name="Marcador de número de diapositiva 3"/>
+          <p:cNvSpPr>
+            <a:spLocks noGrp="1"/>
+          </p:cNvSpPr>
+          <p:nvPr>
+            <p:ph type="sldNum" sz="quarter" idx="5"/>
+          </p:nvPr>
+        </p:nvSpPr>
+        <p:spPr/>
+        <p:txBody>
+          <a:bodyPr/>
+          <a:lstStyle/>
+          <a:p>
+            <a:fld id="{17F8B186-6EA7-4F55-819B-CEB016C79D2A}" type="slidenum">
+              <a:rPr lang="es-PE" smtClean="0"/>
+              <a:t>2</a:t>
+            </a:fld>
+            <a:endParaRPr lang="es-PE"/>
+          </a:p>
+        </p:txBody>
+      </p:sp>
+    </p:spTree>
+    <p:extLst>
+      <p:ext uri="{BB962C8B-B14F-4D97-AF65-F5344CB8AC3E}">
+        <p14:creationId xmlns:p14="http://schemas.microsoft.com/office/powerpoint/2010/main" val="217085268"/>
+      </p:ext>
+    </p:extLst>
+  </p:cSld>
+  <p:clrMapOvr>
+    <a:masterClrMapping/>
+  </p:clrMapOvr>
+</p:notes>
 </file>
 
 <file path=ppt/slideLayouts/slideLayout1.xml><?xml version="1.0" encoding="utf-8"?>
@@ -3452,14 +3889,14 @@
           <a:lstStyle/>
           <a:p>
             <a:r>
-              <a:rPr lang="es-MX" b="1">
+              <a:rPr lang="es-MX" b="1" dirty="0">
                 <a:solidFill>
                   <a:schemeClr val="bg1"/>
                 </a:solidFill>
                 <a:latin typeface="Times New Roman" panose="02020603050405020304" pitchFamily="18" charset="0"/>
                 <a:cs typeface="Times New Roman" panose="02020603050405020304" pitchFamily="18" charset="0"/>
               </a:rPr>
-              <a:t>Efecto de la luz en la germinación de trigo (Triticum aestivum L.): un enfoque experimental</a:t>
+              <a:t>PROYECTO DE TESIS</a:t>
             </a:r>
             <a:endParaRPr lang="es-PE" b="1" dirty="0">
               <a:solidFill>
@@ -4051,7 +4488,7 @@
           <p:nvPr/>
         </p:nvPicPr>
         <p:blipFill>
-          <a:blip r:embed="rId2" cstate="print">
+          <a:blip r:embed="rId3" cstate="print">
             <a:extLst>
               <a:ext uri="{28A0092B-C50C-407E-A947-70E740481C1C}">
                 <a14:useLocalDpi xmlns:a14="http://schemas.microsoft.com/office/drawing/2010/main" val="0"/>
@@ -4190,14 +4627,14 @@
           <a:lstStyle/>
           <a:p>
             <a:r>
-              <a:rPr lang="es-MX" b="1">
+              <a:rPr lang="es-MX" b="1" dirty="0">
                 <a:solidFill>
                   <a:schemeClr val="bg1"/>
                 </a:solidFill>
                 <a:latin typeface="Times New Roman" panose="02020603050405020304" pitchFamily="18" charset="0"/>
                 <a:cs typeface="Times New Roman" panose="02020603050405020304" pitchFamily="18" charset="0"/>
               </a:rPr>
-              <a:t>Efecto de la luz en la germinación de trigo (Triticum aestivum L.): un enfoque experimental</a:t>
+              <a:t>PROYECTO DE TESIS</a:t>
             </a:r>
             <a:endParaRPr lang="es-PE" b="1" dirty="0">
               <a:solidFill>
@@ -5004,111 +5441,6 @@
           </a:p>
         </p:txBody>
       </p:sp>
-      <p:pic>
-        <p:nvPicPr>
-          <p:cNvPr id="38" name="Imagen 37">
-            <a:extLst>
-              <a:ext uri="{FF2B5EF4-FFF2-40B4-BE49-F238E27FC236}">
-                <a16:creationId xmlns:a16="http://schemas.microsoft.com/office/drawing/2014/main" id="{12781F60-91BB-A3D3-CCB2-54A7328BE5E2}"/>
-              </a:ext>
-            </a:extLst>
-          </p:cNvPr>
-          <p:cNvPicPr>
-            <a:picLocks noChangeAspect="1"/>
-          </p:cNvPicPr>
-          <p:nvPr/>
-        </p:nvPicPr>
-        <p:blipFill>
-          <a:blip r:embed="rId3">
-            <a:extLst>
-              <a:ext uri="{28A0092B-C50C-407E-A947-70E740481C1C}">
-                <a14:useLocalDpi xmlns:a14="http://schemas.microsoft.com/office/drawing/2010/main" val="0"/>
-              </a:ext>
-            </a:extLst>
-          </a:blip>
-          <a:srcRect l="19693" t="14975" r="14731" b="21253"/>
-          <a:stretch/>
-        </p:blipFill>
-        <p:spPr>
-          <a:xfrm rot="5559459" flipV="1">
-            <a:off x="4946871" y="2129518"/>
-            <a:ext cx="583098" cy="317612"/>
-          </a:xfrm>
-          <a:prstGeom prst="rect">
-            <a:avLst/>
-          </a:prstGeom>
-        </p:spPr>
-      </p:pic>
-      <p:pic>
-        <p:nvPicPr>
-          <p:cNvPr id="39" name="Imagen 38">
-            <a:extLst>
-              <a:ext uri="{FF2B5EF4-FFF2-40B4-BE49-F238E27FC236}">
-                <a16:creationId xmlns:a16="http://schemas.microsoft.com/office/drawing/2014/main" id="{9C66241D-3B43-914D-C687-32DB978D5276}"/>
-              </a:ext>
-            </a:extLst>
-          </p:cNvPr>
-          <p:cNvPicPr>
-            <a:picLocks noChangeAspect="1"/>
-          </p:cNvPicPr>
-          <p:nvPr/>
-        </p:nvPicPr>
-        <p:blipFill>
-          <a:blip r:embed="rId3">
-            <a:extLst>
-              <a:ext uri="{28A0092B-C50C-407E-A947-70E740481C1C}">
-                <a14:useLocalDpi xmlns:a14="http://schemas.microsoft.com/office/drawing/2010/main" val="0"/>
-              </a:ext>
-            </a:extLst>
-          </a:blip>
-          <a:srcRect l="19693" t="14975" r="14731" b="21253"/>
-          <a:stretch/>
-        </p:blipFill>
-        <p:spPr>
-          <a:xfrm rot="5559459" flipV="1">
-            <a:off x="4945111" y="3126687"/>
-            <a:ext cx="583098" cy="317612"/>
-          </a:xfrm>
-          <a:prstGeom prst="rect">
-            <a:avLst/>
-          </a:prstGeom>
-        </p:spPr>
-      </p:pic>
-      <p:pic>
-        <p:nvPicPr>
-          <p:cNvPr id="40" name="Imagen 39">
-            <a:extLst>
-              <a:ext uri="{FF2B5EF4-FFF2-40B4-BE49-F238E27FC236}">
-                <a16:creationId xmlns:a16="http://schemas.microsoft.com/office/drawing/2014/main" id="{67CA9742-9B75-DB32-F9DD-408B03B142CD}"/>
-              </a:ext>
-            </a:extLst>
-          </p:cNvPr>
-          <p:cNvPicPr>
-            <a:picLocks noChangeAspect="1"/>
-          </p:cNvPicPr>
-          <p:nvPr/>
-        </p:nvPicPr>
-        <p:blipFill>
-          <a:blip r:embed="rId3">
-            <a:extLst>
-              <a:ext uri="{28A0092B-C50C-407E-A947-70E740481C1C}">
-                <a14:useLocalDpi xmlns:a14="http://schemas.microsoft.com/office/drawing/2010/main" val="0"/>
-              </a:ext>
-            </a:extLst>
-          </a:blip>
-          <a:srcRect l="19693" t="14975" r="14731" b="21253"/>
-          <a:stretch/>
-        </p:blipFill>
-        <p:spPr>
-          <a:xfrm rot="5559459" flipV="1">
-            <a:off x="4950672" y="4123320"/>
-            <a:ext cx="583098" cy="317612"/>
-          </a:xfrm>
-          <a:prstGeom prst="rect">
-            <a:avLst/>
-          </a:prstGeom>
-        </p:spPr>
-      </p:pic>
       <p:sp>
         <p:nvSpPr>
           <p:cNvPr id="42" name="CuadroTexto 41">
@@ -5590,37 +5922,230 @@
       </p:sp>
       <p:pic>
         <p:nvPicPr>
-          <p:cNvPr id="53" name="Imagen 52">
-            <a:extLst>
-              <a:ext uri="{FF2B5EF4-FFF2-40B4-BE49-F238E27FC236}">
-                <a16:creationId xmlns:a16="http://schemas.microsoft.com/office/drawing/2014/main" id="{A89423A4-4BB3-9114-D5CF-026DE50963D3}"/>
+          <p:cNvPr id="2050" name="Picture 2" descr="Imágenes de Maiz Planta - Descarga gratuita en Freepik">
+            <a:extLst>
+              <a:ext uri="{FF2B5EF4-FFF2-40B4-BE49-F238E27FC236}">
+                <a16:creationId xmlns:a16="http://schemas.microsoft.com/office/drawing/2014/main" id="{2B27FFCF-B432-6F99-4C98-A5431C9D9FFC}"/>
               </a:ext>
             </a:extLst>
           </p:cNvPr>
           <p:cNvPicPr>
-            <a:picLocks noChangeAspect="1"/>
+            <a:picLocks noChangeAspect="1" noChangeArrowheads="1"/>
           </p:cNvPicPr>
           <p:nvPr/>
         </p:nvPicPr>
         <p:blipFill>
-          <a:blip r:embed="rId3">
+          <a:blip r:embed="rId4">
+            <a:clrChange>
+              <a:clrFrom>
+                <a:srgbClr val="FFFFFF"/>
+              </a:clrFrom>
+              <a:clrTo>
+                <a:srgbClr val="FFFFFF">
+                  <a:alpha val="0"/>
+                </a:srgbClr>
+              </a:clrTo>
+            </a:clrChange>
             <a:extLst>
               <a:ext uri="{28A0092B-C50C-407E-A947-70E740481C1C}">
                 <a14:useLocalDpi xmlns:a14="http://schemas.microsoft.com/office/drawing/2010/main" val="0"/>
               </a:ext>
             </a:extLst>
           </a:blip>
-          <a:srcRect l="19693" t="14975" r="14731" b="21253"/>
-          <a:stretch/>
+          <a:srcRect/>
+          <a:stretch>
+            <a:fillRect/>
+          </a:stretch>
         </p:blipFill>
-        <p:spPr>
-          <a:xfrm rot="5559459" flipV="1">
-            <a:off x="4945112" y="5116014"/>
-            <a:ext cx="583098" cy="317612"/>
+        <p:spPr bwMode="auto">
+          <a:xfrm>
+            <a:off x="5048799" y="1963851"/>
+            <a:ext cx="503756" cy="622134"/>
           </a:xfrm>
           <a:prstGeom prst="rect">
             <a:avLst/>
           </a:prstGeom>
+          <a:noFill/>
+          <a:extLst>
+            <a:ext uri="{909E8E84-426E-40DD-AFC4-6F175D3DCCD1}">
+              <a14:hiddenFill xmlns:a14="http://schemas.microsoft.com/office/drawing/2010/main">
+                <a:solidFill>
+                  <a:srgbClr val="FFFFFF"/>
+                </a:solidFill>
+              </a14:hiddenFill>
+            </a:ext>
+          </a:extLst>
+        </p:spPr>
+      </p:pic>
+      <p:pic>
+        <p:nvPicPr>
+          <p:cNvPr id="54" name="Picture 2" descr="Imágenes de Maiz Planta - Descarga gratuita en Freepik">
+            <a:extLst>
+              <a:ext uri="{FF2B5EF4-FFF2-40B4-BE49-F238E27FC236}">
+                <a16:creationId xmlns:a16="http://schemas.microsoft.com/office/drawing/2014/main" id="{E6418FAE-F5C7-BAA2-9FAC-7FF64DB402CE}"/>
+              </a:ext>
+            </a:extLst>
+          </p:cNvPr>
+          <p:cNvPicPr>
+            <a:picLocks noChangeAspect="1" noChangeArrowheads="1"/>
+          </p:cNvPicPr>
+          <p:nvPr/>
+        </p:nvPicPr>
+        <p:blipFill>
+          <a:blip r:embed="rId4">
+            <a:clrChange>
+              <a:clrFrom>
+                <a:srgbClr val="FFFFFF"/>
+              </a:clrFrom>
+              <a:clrTo>
+                <a:srgbClr val="FFFFFF">
+                  <a:alpha val="0"/>
+                </a:srgbClr>
+              </a:clrTo>
+            </a:clrChange>
+            <a:extLst>
+              <a:ext uri="{28A0092B-C50C-407E-A947-70E740481C1C}">
+                <a14:useLocalDpi xmlns:a14="http://schemas.microsoft.com/office/drawing/2010/main" val="0"/>
+              </a:ext>
+            </a:extLst>
+          </a:blip>
+          <a:srcRect/>
+          <a:stretch>
+            <a:fillRect/>
+          </a:stretch>
+        </p:blipFill>
+        <p:spPr bwMode="auto">
+          <a:xfrm>
+            <a:off x="5047232" y="2971922"/>
+            <a:ext cx="503756" cy="622134"/>
+          </a:xfrm>
+          <a:prstGeom prst="rect">
+            <a:avLst/>
+          </a:prstGeom>
+          <a:noFill/>
+          <a:extLst>
+            <a:ext uri="{909E8E84-426E-40DD-AFC4-6F175D3DCCD1}">
+              <a14:hiddenFill xmlns:a14="http://schemas.microsoft.com/office/drawing/2010/main">
+                <a:solidFill>
+                  <a:srgbClr val="FFFFFF"/>
+                </a:solidFill>
+              </a14:hiddenFill>
+            </a:ext>
+          </a:extLst>
+        </p:spPr>
+      </p:pic>
+      <p:pic>
+        <p:nvPicPr>
+          <p:cNvPr id="55" name="Picture 2" descr="Imágenes de Maiz Planta - Descarga gratuita en Freepik">
+            <a:extLst>
+              <a:ext uri="{FF2B5EF4-FFF2-40B4-BE49-F238E27FC236}">
+                <a16:creationId xmlns:a16="http://schemas.microsoft.com/office/drawing/2014/main" id="{C55A104D-E9DF-9E6E-8E68-5B3F003FC6BC}"/>
+              </a:ext>
+            </a:extLst>
+          </p:cNvPr>
+          <p:cNvPicPr>
+            <a:picLocks noChangeAspect="1" noChangeArrowheads="1"/>
+          </p:cNvPicPr>
+          <p:nvPr/>
+        </p:nvPicPr>
+        <p:blipFill>
+          <a:blip r:embed="rId4">
+            <a:clrChange>
+              <a:clrFrom>
+                <a:srgbClr val="FFFFFF"/>
+              </a:clrFrom>
+              <a:clrTo>
+                <a:srgbClr val="FFFFFF">
+                  <a:alpha val="0"/>
+                </a:srgbClr>
+              </a:clrTo>
+            </a:clrChange>
+            <a:extLst>
+              <a:ext uri="{28A0092B-C50C-407E-A947-70E740481C1C}">
+                <a14:useLocalDpi xmlns:a14="http://schemas.microsoft.com/office/drawing/2010/main" val="0"/>
+              </a:ext>
+            </a:extLst>
+          </a:blip>
+          <a:srcRect/>
+          <a:stretch>
+            <a:fillRect/>
+          </a:stretch>
+        </p:blipFill>
+        <p:spPr bwMode="auto">
+          <a:xfrm>
+            <a:off x="5045665" y="3918834"/>
+            <a:ext cx="503756" cy="622134"/>
+          </a:xfrm>
+          <a:prstGeom prst="rect">
+            <a:avLst/>
+          </a:prstGeom>
+          <a:noFill/>
+          <a:extLst>
+            <a:ext uri="{909E8E84-426E-40DD-AFC4-6F175D3DCCD1}">
+              <a14:hiddenFill xmlns:a14="http://schemas.microsoft.com/office/drawing/2010/main">
+                <a:solidFill>
+                  <a:srgbClr val="FFFFFF"/>
+                </a:solidFill>
+              </a14:hiddenFill>
+            </a:ext>
+          </a:extLst>
+        </p:spPr>
+      </p:pic>
+      <p:pic>
+        <p:nvPicPr>
+          <p:cNvPr id="56" name="Picture 2" descr="Imágenes de Maiz Planta - Descarga gratuita en Freepik">
+            <a:extLst>
+              <a:ext uri="{FF2B5EF4-FFF2-40B4-BE49-F238E27FC236}">
+                <a16:creationId xmlns:a16="http://schemas.microsoft.com/office/drawing/2014/main" id="{DDC2F389-826E-04E0-72B4-ADA214119768}"/>
+              </a:ext>
+            </a:extLst>
+          </p:cNvPr>
+          <p:cNvPicPr>
+            <a:picLocks noChangeAspect="1" noChangeArrowheads="1"/>
+          </p:cNvPicPr>
+          <p:nvPr/>
+        </p:nvPicPr>
+        <p:blipFill>
+          <a:blip r:embed="rId4">
+            <a:clrChange>
+              <a:clrFrom>
+                <a:srgbClr val="FFFFFF"/>
+              </a:clrFrom>
+              <a:clrTo>
+                <a:srgbClr val="FFFFFF">
+                  <a:alpha val="0"/>
+                </a:srgbClr>
+              </a:clrTo>
+            </a:clrChange>
+            <a:extLst>
+              <a:ext uri="{28A0092B-C50C-407E-A947-70E740481C1C}">
+                <a14:useLocalDpi xmlns:a14="http://schemas.microsoft.com/office/drawing/2010/main" val="0"/>
+              </a:ext>
+            </a:extLst>
+          </a:blip>
+          <a:srcRect/>
+          <a:stretch>
+            <a:fillRect/>
+          </a:stretch>
+        </p:blipFill>
+        <p:spPr bwMode="auto">
+          <a:xfrm>
+            <a:off x="5042429" y="4963572"/>
+            <a:ext cx="503756" cy="622134"/>
+          </a:xfrm>
+          <a:prstGeom prst="rect">
+            <a:avLst/>
+          </a:prstGeom>
+          <a:noFill/>
+          <a:extLst>
+            <a:ext uri="{909E8E84-426E-40DD-AFC4-6F175D3DCCD1}">
+              <a14:hiddenFill xmlns:a14="http://schemas.microsoft.com/office/drawing/2010/main">
+                <a:solidFill>
+                  <a:srgbClr val="FFFFFF"/>
+                </a:solidFill>
+              </a14:hiddenFill>
+            </a:ext>
+          </a:extLst>
         </p:spPr>
       </p:pic>
     </p:spTree>
@@ -5929,4 +6454,299 @@
     </a:ext>
   </a:extLst>
 </a:theme>
+</file>
+
+<file path=ppt/theme/theme2.xml><?xml version="1.0" encoding="utf-8"?>
+<a:theme xmlns:a="http://schemas.openxmlformats.org/drawingml/2006/main" name="Tema de Office">
+  <a:themeElements>
+    <a:clrScheme name="Office">
+      <a:dk1>
+        <a:sysClr val="windowText" lastClr="000000"/>
+      </a:dk1>
+      <a:lt1>
+        <a:sysClr val="window" lastClr="FFFFFF"/>
+      </a:lt1>
+      <a:dk2>
+        <a:srgbClr val="44546A"/>
+      </a:dk2>
+      <a:lt2>
+        <a:srgbClr val="E7E6E6"/>
+      </a:lt2>
+      <a:accent1>
+        <a:srgbClr val="4472C4"/>
+      </a:accent1>
+      <a:accent2>
+        <a:srgbClr val="ED7D31"/>
+      </a:accent2>
+      <a:accent3>
+        <a:srgbClr val="A5A5A5"/>
+      </a:accent3>
+      <a:accent4>
+        <a:srgbClr val="FFC000"/>
+      </a:accent4>
+      <a:accent5>
+        <a:srgbClr val="5B9BD5"/>
+      </a:accent5>
+      <a:accent6>
+        <a:srgbClr val="70AD47"/>
+      </a:accent6>
+      <a:hlink>
+        <a:srgbClr val="0563C1"/>
+      </a:hlink>
+      <a:folHlink>
+        <a:srgbClr val="954F72"/>
+      </a:folHlink>
+    </a:clrScheme>
+    <a:fontScheme name="Office">
+      <a:majorFont>
+        <a:latin typeface="Calibri Light" panose="020F0302020204030204"/>
+        <a:ea typeface=""/>
+        <a:cs typeface=""/>
+        <a:font script="Jpan" typeface="游ゴシック Light"/>
+        <a:font script="Hang" typeface="맑은 고딕"/>
+        <a:font script="Hans" typeface="等线 Light"/>
+        <a:font script="Hant" typeface="新細明體"/>
+        <a:font script="Arab" typeface="Times New Roman"/>
+        <a:font script="Hebr" typeface="Times New Roman"/>
+        <a:font script="Thai" typeface="Angsana New"/>
+        <a:font script="Ethi" typeface="Nyala"/>
+        <a:font script="Beng" typeface="Vrinda"/>
+        <a:font script="Gujr" typeface="Shruti"/>
+        <a:font script="Khmr" typeface="MoolBoran"/>
+        <a:font script="Knda" typeface="Tunga"/>
+        <a:font script="Guru" typeface="Raavi"/>
+        <a:font script="Cans" typeface="Euphemia"/>
+        <a:font script="Cher" typeface="Plantagenet Cherokee"/>
+        <a:font script="Yiii" typeface="Microsoft Yi Baiti"/>
+        <a:font script="Tibt" typeface="Microsoft Himalaya"/>
+        <a:font script="Thaa" typeface="MV Boli"/>
+        <a:font script="Deva" typeface="Mangal"/>
+        <a:font script="Telu" typeface="Gautami"/>
+        <a:font script="Taml" typeface="Latha"/>
+        <a:font script="Syrc" typeface="Estrangelo Edessa"/>
+        <a:font script="Orya" typeface="Kalinga"/>
+        <a:font script="Mlym" typeface="Kartika"/>
+        <a:font script="Laoo" typeface="DokChampa"/>
+        <a:font script="Sinh" typeface="Iskoola Pota"/>
+        <a:font script="Mong" typeface="Mongolian Baiti"/>
+        <a:font script="Viet" typeface="Times New Roman"/>
+        <a:font script="Uigh" typeface="Microsoft Uighur"/>
+        <a:font script="Geor" typeface="Sylfaen"/>
+        <a:font script="Armn" typeface="Arial"/>
+        <a:font script="Bugi" typeface="Leelawadee UI"/>
+        <a:font script="Bopo" typeface="Microsoft JhengHei"/>
+        <a:font script="Java" typeface="Javanese Text"/>
+        <a:font script="Lisu" typeface="Segoe UI"/>
+        <a:font script="Mymr" typeface="Myanmar Text"/>
+        <a:font script="Nkoo" typeface="Ebrima"/>
+        <a:font script="Olck" typeface="Nirmala UI"/>
+        <a:font script="Osma" typeface="Ebrima"/>
+        <a:font script="Phag" typeface="Phagspa"/>
+        <a:font script="Syrn" typeface="Estrangelo Edessa"/>
+        <a:font script="Syrj" typeface="Estrangelo Edessa"/>
+        <a:font script="Syre" typeface="Estrangelo Edessa"/>
+        <a:font script="Sora" typeface="Nirmala UI"/>
+        <a:font script="Tale" typeface="Microsoft Tai Le"/>
+        <a:font script="Talu" typeface="Microsoft New Tai Lue"/>
+        <a:font script="Tfng" typeface="Ebrima"/>
+      </a:majorFont>
+      <a:minorFont>
+        <a:latin typeface="Calibri" panose="020F0502020204030204"/>
+        <a:ea typeface=""/>
+        <a:cs typeface=""/>
+        <a:font script="Jpan" typeface="游ゴシック"/>
+        <a:font script="Hang" typeface="맑은 고딕"/>
+        <a:font script="Hans" typeface="等线"/>
+        <a:font script="Hant" typeface="新細明體"/>
+        <a:font script="Arab" typeface="Arial"/>
+        <a:font script="Hebr" typeface="Arial"/>
+        <a:font script="Thai" typeface="Cordia New"/>
+        <a:font script="Ethi" typeface="Nyala"/>
+        <a:font script="Beng" typeface="Vrinda"/>
+        <a:font script="Gujr" typeface="Shruti"/>
+        <a:font script="Khmr" typeface="DaunPenh"/>
+        <a:font script="Knda" typeface="Tunga"/>
+        <a:font script="Guru" typeface="Raavi"/>
+        <a:font script="Cans" typeface="Euphemia"/>
+        <a:font script="Cher" typeface="Plantagenet Cherokee"/>
+        <a:font script="Yiii" typeface="Microsoft Yi Baiti"/>
+        <a:font script="Tibt" typeface="Microsoft Himalaya"/>
+        <a:font script="Thaa" typeface="MV Boli"/>
+        <a:font script="Deva" typeface="Mangal"/>
+        <a:font script="Telu" typeface="Gautami"/>
+        <a:font script="Taml" typeface="Latha"/>
+        <a:font script="Syrc" typeface="Estrangelo Edessa"/>
+        <a:font script="Orya" typeface="Kalinga"/>
+        <a:font script="Mlym" typeface="Kartika"/>
+        <a:font script="Laoo" typeface="DokChampa"/>
+        <a:font script="Sinh" typeface="Iskoola Pota"/>
+        <a:font script="Mong" typeface="Mongolian Baiti"/>
+        <a:font script="Viet" typeface="Arial"/>
+        <a:font script="Uigh" typeface="Microsoft Uighur"/>
+        <a:font script="Geor" typeface="Sylfaen"/>
+        <a:font script="Armn" typeface="Arial"/>
+        <a:font script="Bugi" typeface="Leelawadee UI"/>
+        <a:font script="Bopo" typeface="Microsoft JhengHei"/>
+        <a:font script="Java" typeface="Javanese Text"/>
+        <a:font script="Lisu" typeface="Segoe UI"/>
+        <a:font script="Mymr" typeface="Myanmar Text"/>
+        <a:font script="Nkoo" typeface="Ebrima"/>
+        <a:font script="Olck" typeface="Nirmala UI"/>
+        <a:font script="Osma" typeface="Ebrima"/>
+        <a:font script="Phag" typeface="Phagspa"/>
+        <a:font script="Syrn" typeface="Estrangelo Edessa"/>
+        <a:font script="Syrj" typeface="Estrangelo Edessa"/>
+        <a:font script="Syre" typeface="Estrangelo Edessa"/>
+        <a:font script="Sora" typeface="Nirmala UI"/>
+        <a:font script="Tale" typeface="Microsoft Tai Le"/>
+        <a:font script="Talu" typeface="Microsoft New Tai Lue"/>
+        <a:font script="Tfng" typeface="Ebrima"/>
+      </a:minorFont>
+    </a:fontScheme>
+    <a:fmtScheme name="Office">
+      <a:fillStyleLst>
+        <a:solidFill>
+          <a:schemeClr val="phClr"/>
+        </a:solidFill>
+        <a:gradFill rotWithShape="1">
+          <a:gsLst>
+            <a:gs pos="0">
+              <a:schemeClr val="phClr">
+                <a:lumMod val="110000"/>
+                <a:satMod val="105000"/>
+                <a:tint val="67000"/>
+              </a:schemeClr>
+            </a:gs>
+            <a:gs pos="50000">
+              <a:schemeClr val="phClr">
+                <a:lumMod val="105000"/>
+                <a:satMod val="103000"/>
+                <a:tint val="73000"/>
+              </a:schemeClr>
+            </a:gs>
+            <a:gs pos="100000">
+              <a:schemeClr val="phClr">
+                <a:lumMod val="105000"/>
+                <a:satMod val="109000"/>
+                <a:tint val="81000"/>
+              </a:schemeClr>
+            </a:gs>
+          </a:gsLst>
+          <a:lin ang="5400000" scaled="0"/>
+        </a:gradFill>
+        <a:gradFill rotWithShape="1">
+          <a:gsLst>
+            <a:gs pos="0">
+              <a:schemeClr val="phClr">
+                <a:satMod val="103000"/>
+                <a:lumMod val="102000"/>
+                <a:tint val="94000"/>
+              </a:schemeClr>
+            </a:gs>
+            <a:gs pos="50000">
+              <a:schemeClr val="phClr">
+                <a:satMod val="110000"/>
+                <a:lumMod val="100000"/>
+                <a:shade val="100000"/>
+              </a:schemeClr>
+            </a:gs>
+            <a:gs pos="100000">
+              <a:schemeClr val="phClr">
+                <a:lumMod val="99000"/>
+                <a:satMod val="120000"/>
+                <a:shade val="78000"/>
+              </a:schemeClr>
+            </a:gs>
+          </a:gsLst>
+          <a:lin ang="5400000" scaled="0"/>
+        </a:gradFill>
+      </a:fillStyleLst>
+      <a:lnStyleLst>
+        <a:ln w="6350" cap="flat" cmpd="sng" algn="ctr">
+          <a:solidFill>
+            <a:schemeClr val="phClr"/>
+          </a:solidFill>
+          <a:prstDash val="solid"/>
+          <a:miter lim="800000"/>
+        </a:ln>
+        <a:ln w="12700" cap="flat" cmpd="sng" algn="ctr">
+          <a:solidFill>
+            <a:schemeClr val="phClr"/>
+          </a:solidFill>
+          <a:prstDash val="solid"/>
+          <a:miter lim="800000"/>
+        </a:ln>
+        <a:ln w="19050" cap="flat" cmpd="sng" algn="ctr">
+          <a:solidFill>
+            <a:schemeClr val="phClr"/>
+          </a:solidFill>
+          <a:prstDash val="solid"/>
+          <a:miter lim="800000"/>
+        </a:ln>
+      </a:lnStyleLst>
+      <a:effectStyleLst>
+        <a:effectStyle>
+          <a:effectLst/>
+        </a:effectStyle>
+        <a:effectStyle>
+          <a:effectLst/>
+        </a:effectStyle>
+        <a:effectStyle>
+          <a:effectLst>
+            <a:outerShdw blurRad="57150" dist="19050" dir="5400000" algn="ctr" rotWithShape="0">
+              <a:srgbClr val="000000">
+                <a:alpha val="63000"/>
+              </a:srgbClr>
+            </a:outerShdw>
+          </a:effectLst>
+        </a:effectStyle>
+      </a:effectStyleLst>
+      <a:bgFillStyleLst>
+        <a:solidFill>
+          <a:schemeClr val="phClr"/>
+        </a:solidFill>
+        <a:solidFill>
+          <a:schemeClr val="phClr">
+            <a:tint val="95000"/>
+            <a:satMod val="170000"/>
+          </a:schemeClr>
+        </a:solidFill>
+        <a:gradFill rotWithShape="1">
+          <a:gsLst>
+            <a:gs pos="0">
+              <a:schemeClr val="phClr">
+                <a:tint val="93000"/>
+                <a:satMod val="150000"/>
+                <a:shade val="98000"/>
+                <a:lumMod val="102000"/>
+              </a:schemeClr>
+            </a:gs>
+            <a:gs pos="50000">
+              <a:schemeClr val="phClr">
+                <a:tint val="98000"/>
+                <a:satMod val="130000"/>
+                <a:shade val="90000"/>
+                <a:lumMod val="103000"/>
+              </a:schemeClr>
+            </a:gs>
+            <a:gs pos="100000">
+              <a:schemeClr val="phClr">
+                <a:shade val="63000"/>
+                <a:satMod val="120000"/>
+              </a:schemeClr>
+            </a:gs>
+          </a:gsLst>
+          <a:lin ang="5400000" scaled="0"/>
+        </a:gradFill>
+      </a:bgFillStyleLst>
+    </a:fmtScheme>
+  </a:themeElements>
+  <a:objectDefaults/>
+  <a:extraClrSchemeLst/>
+  <a:extLst>
+    <a:ext uri="{05A4C25C-085E-4340-85A3-A5531E510DB2}">
+      <thm15:themeFamily xmlns:thm15="http://schemas.microsoft.com/office/thememl/2012/main" name="Office Theme" id="{62F939B6-93AF-4DB8-9C6B-D6C7DFDC589F}" vid="{4A3C46E8-61CC-4603-A589-7422A47A8E4A}"/>
+    </a:ext>
+  </a:extLst>
+</a:theme>
 </file>